--- a/fig/Statistics.pptx
+++ b/fig/Statistics.pptx
@@ -104,7 +104,57 @@
       </a:defRPr>
     </a:lvl9pPr>
   </p:defaultTextStyle>
+  <p:extLst>
+    <p:ext uri="{EFAFB233-063F-42B5-8137-9DF3F51BA10A}">
+      <p15:sldGuideLst xmlns:p15="http://schemas.microsoft.com/office/powerpoint/2012/main"/>
+    </p:ext>
+  </p:extLst>
 </p:presentation>
+</file>
+
+<file path=ppt/changesInfos/changesInfo1.xml><?xml version="1.0" encoding="utf-8"?>
+<pc:chgInfo xmlns:a="http://schemas.openxmlformats.org/drawingml/2006/main" xmlns:r="http://schemas.openxmlformats.org/officeDocument/2006/relationships" xmlns:ac="http://schemas.microsoft.com/office/drawing/2013/main/command" xmlns:pc="http://schemas.microsoft.com/office/powerpoint/2013/main/command">
+  <pc:docChgLst>
+    <pc:chgData name="이성빈" userId="08487321-ffb7-403f-b680-886fc96551d8" providerId="ADAL" clId="{BE8017D4-AB66-4111-B90D-CF78FAB167ED}"/>
+    <pc:docChg chg="modSld">
+      <pc:chgData name="이성빈" userId="08487321-ffb7-403f-b680-886fc96551d8" providerId="ADAL" clId="{BE8017D4-AB66-4111-B90D-CF78FAB167ED}" dt="2023-08-25T05:26:44.384" v="47" actId="1038"/>
+      <pc:docMkLst>
+        <pc:docMk/>
+      </pc:docMkLst>
+      <pc:sldChg chg="modSp mod">
+        <pc:chgData name="이성빈" userId="08487321-ffb7-403f-b680-886fc96551d8" providerId="ADAL" clId="{BE8017D4-AB66-4111-B90D-CF78FAB167ED}" dt="2023-08-25T05:26:44.384" v="47" actId="1038"/>
+        <pc:sldMkLst>
+          <pc:docMk/>
+          <pc:sldMk cId="3715754832" sldId="256"/>
+        </pc:sldMkLst>
+        <pc:spChg chg="mod">
+          <ac:chgData name="이성빈" userId="08487321-ffb7-403f-b680-886fc96551d8" providerId="ADAL" clId="{BE8017D4-AB66-4111-B90D-CF78FAB167ED}" dt="2023-08-25T05:24:05.385" v="26" actId="20577"/>
+          <ac:spMkLst>
+            <pc:docMk/>
+            <pc:sldMk cId="3715754832" sldId="256"/>
+            <ac:spMk id="16" creationId="{C2CA51BE-33E3-7CF6-B0DD-5B3FC390CBC1}"/>
+          </ac:spMkLst>
+        </pc:spChg>
+        <pc:spChg chg="mod">
+          <ac:chgData name="이성빈" userId="08487321-ffb7-403f-b680-886fc96551d8" providerId="ADAL" clId="{BE8017D4-AB66-4111-B90D-CF78FAB167ED}" dt="2023-08-25T05:23:52.483" v="22" actId="20577"/>
+          <ac:spMkLst>
+            <pc:docMk/>
+            <pc:sldMk cId="3715754832" sldId="256"/>
+            <ac:spMk id="20" creationId="{05A2C409-9233-2C8B-8381-51DCBF826D04}"/>
+          </ac:spMkLst>
+        </pc:spChg>
+        <pc:spChg chg="mod">
+          <ac:chgData name="이성빈" userId="08487321-ffb7-403f-b680-886fc96551d8" providerId="ADAL" clId="{BE8017D4-AB66-4111-B90D-CF78FAB167ED}" dt="2023-08-25T05:26:44.384" v="47" actId="1038"/>
+          <ac:spMkLst>
+            <pc:docMk/>
+            <pc:sldMk cId="3715754832" sldId="256"/>
+            <ac:spMk id="34" creationId="{A44C3323-DCE6-0CA7-4E35-8D706000D243}"/>
+          </ac:spMkLst>
+        </pc:spChg>
+      </pc:sldChg>
+    </pc:docChg>
+  </pc:docChgLst>
+</pc:chgInfo>
 </file>
 
 <file path=ppt/slideLayouts/slideLayout1.xml><?xml version="1.0" encoding="utf-8"?>
@@ -254,7 +304,7 @@
           <a:p>
             <a:fld id="{828B1A7F-48FA-4CD1-8574-F10241021487}" type="datetimeFigureOut">
               <a:rPr lang="ko-KR" altLang="en-US" smtClean="0"/>
-              <a:t>2023-08-09</a:t>
+              <a:t>2023-08-25</a:t>
             </a:fld>
             <a:endParaRPr lang="ko-KR" altLang="en-US"/>
           </a:p>
@@ -452,7 +502,7 @@
           <a:p>
             <a:fld id="{828B1A7F-48FA-4CD1-8574-F10241021487}" type="datetimeFigureOut">
               <a:rPr lang="ko-KR" altLang="en-US" smtClean="0"/>
-              <a:t>2023-08-09</a:t>
+              <a:t>2023-08-25</a:t>
             </a:fld>
             <a:endParaRPr lang="ko-KR" altLang="en-US"/>
           </a:p>
@@ -660,7 +710,7 @@
           <a:p>
             <a:fld id="{828B1A7F-48FA-4CD1-8574-F10241021487}" type="datetimeFigureOut">
               <a:rPr lang="ko-KR" altLang="en-US" smtClean="0"/>
-              <a:t>2023-08-09</a:t>
+              <a:t>2023-08-25</a:t>
             </a:fld>
             <a:endParaRPr lang="ko-KR" altLang="en-US"/>
           </a:p>
@@ -858,7 +908,7 @@
           <a:p>
             <a:fld id="{828B1A7F-48FA-4CD1-8574-F10241021487}" type="datetimeFigureOut">
               <a:rPr lang="ko-KR" altLang="en-US" smtClean="0"/>
-              <a:t>2023-08-09</a:t>
+              <a:t>2023-08-25</a:t>
             </a:fld>
             <a:endParaRPr lang="ko-KR" altLang="en-US"/>
           </a:p>
@@ -1133,7 +1183,7 @@
           <a:p>
             <a:fld id="{828B1A7F-48FA-4CD1-8574-F10241021487}" type="datetimeFigureOut">
               <a:rPr lang="ko-KR" altLang="en-US" smtClean="0"/>
-              <a:t>2023-08-09</a:t>
+              <a:t>2023-08-25</a:t>
             </a:fld>
             <a:endParaRPr lang="ko-KR" altLang="en-US"/>
           </a:p>
@@ -1398,7 +1448,7 @@
           <a:p>
             <a:fld id="{828B1A7F-48FA-4CD1-8574-F10241021487}" type="datetimeFigureOut">
               <a:rPr lang="ko-KR" altLang="en-US" smtClean="0"/>
-              <a:t>2023-08-09</a:t>
+              <a:t>2023-08-25</a:t>
             </a:fld>
             <a:endParaRPr lang="ko-KR" altLang="en-US"/>
           </a:p>
@@ -1810,7 +1860,7 @@
           <a:p>
             <a:fld id="{828B1A7F-48FA-4CD1-8574-F10241021487}" type="datetimeFigureOut">
               <a:rPr lang="ko-KR" altLang="en-US" smtClean="0"/>
-              <a:t>2023-08-09</a:t>
+              <a:t>2023-08-25</a:t>
             </a:fld>
             <a:endParaRPr lang="ko-KR" altLang="en-US"/>
           </a:p>
@@ -1951,7 +2001,7 @@
           <a:p>
             <a:fld id="{828B1A7F-48FA-4CD1-8574-F10241021487}" type="datetimeFigureOut">
               <a:rPr lang="ko-KR" altLang="en-US" smtClean="0"/>
-              <a:t>2023-08-09</a:t>
+              <a:t>2023-08-25</a:t>
             </a:fld>
             <a:endParaRPr lang="ko-KR" altLang="en-US"/>
           </a:p>
@@ -2064,7 +2114,7 @@
           <a:p>
             <a:fld id="{828B1A7F-48FA-4CD1-8574-F10241021487}" type="datetimeFigureOut">
               <a:rPr lang="ko-KR" altLang="en-US" smtClean="0"/>
-              <a:t>2023-08-09</a:t>
+              <a:t>2023-08-25</a:t>
             </a:fld>
             <a:endParaRPr lang="ko-KR" altLang="en-US"/>
           </a:p>
@@ -2375,7 +2425,7 @@
           <a:p>
             <a:fld id="{828B1A7F-48FA-4CD1-8574-F10241021487}" type="datetimeFigureOut">
               <a:rPr lang="ko-KR" altLang="en-US" smtClean="0"/>
-              <a:t>2023-08-09</a:t>
+              <a:t>2023-08-25</a:t>
             </a:fld>
             <a:endParaRPr lang="ko-KR" altLang="en-US"/>
           </a:p>
@@ -2663,7 +2713,7 @@
           <a:p>
             <a:fld id="{828B1A7F-48FA-4CD1-8574-F10241021487}" type="datetimeFigureOut">
               <a:rPr lang="ko-KR" altLang="en-US" smtClean="0"/>
-              <a:t>2023-08-09</a:t>
+              <a:t>2023-08-25</a:t>
             </a:fld>
             <a:endParaRPr lang="ko-KR" altLang="en-US"/>
           </a:p>
@@ -2904,7 +2954,7 @@
           <a:p>
             <a:fld id="{828B1A7F-48FA-4CD1-8574-F10241021487}" type="datetimeFigureOut">
               <a:rPr lang="ko-KR" altLang="en-US" smtClean="0"/>
-              <a:t>2023-08-09</a:t>
+              <a:t>2023-08-25</a:t>
             </a:fld>
             <a:endParaRPr lang="ko-KR" altLang="en-US"/>
           </a:p>
@@ -3335,10 +3385,10 @@
         </p:nvGrpSpPr>
         <p:grpSpPr>
           <a:xfrm>
-            <a:off x="-2086228" y="-928047"/>
-            <a:ext cx="16743171" cy="7692605"/>
-            <a:chOff x="-2086228" y="-928047"/>
-            <a:chExt cx="16743171" cy="7692605"/>
+            <a:off x="-2086228" y="-954302"/>
+            <a:ext cx="16743171" cy="7718860"/>
+            <a:chOff x="-2086228" y="-954302"/>
+            <a:chExt cx="16743171" cy="7718860"/>
           </a:xfrm>
         </p:grpSpPr>
         <p:grpSp>
@@ -3764,7 +3814,7 @@
                 <a:p>
                   <a:r>
                     <a:rPr lang="en-US" altLang="ko-KR" b="1" dirty="0"/>
-                    <a:t>= 250,000</a:t>
+                    <a:t>= 1,000</a:t>
                   </a:r>
                 </a:p>
               </p:txBody>
@@ -3944,7 +3994,7 @@
               <p:spPr>
                 <a:xfrm>
                   <a:off x="4202084" y="6118227"/>
-                  <a:ext cx="3787832" cy="646331"/>
+                  <a:ext cx="3865738" cy="646331"/>
                 </a:xfrm>
                 <a:prstGeom prst="rect">
                   <a:avLst/>
@@ -3965,7 +4015,7 @@
                 <a:p>
                   <a:r>
                     <a:rPr lang="en-US" altLang="ko-KR" b="1" dirty="0"/>
-                    <a:t>= 100,000</a:t>
+                    <a:t>= 1,000</a:t>
                   </a:r>
                   <a:r>
                     <a:rPr lang="ko-KR" altLang="en-US" b="1" dirty="0"/>
@@ -3973,7 +4023,7 @@
                   </a:r>
                   <a:r>
                     <a:rPr lang="en-US" altLang="ko-KR" b="1" dirty="0"/>
-                    <a:t>iteration</a:t>
+                    <a:t>iteration x 100 collection</a:t>
                   </a:r>
                 </a:p>
               </p:txBody>
@@ -4189,8 +4239,8 @@
               </a:p>
             </p:txBody>
           </p:sp>
-          <mc:AlternateContent xmlns:mc="http://schemas.openxmlformats.org/markup-compatibility/2006">
-            <mc:Choice xmlns:a14="http://schemas.microsoft.com/office/drawing/2010/main" Requires="a14">
+          <mc:AlternateContent xmlns:mc="http://schemas.openxmlformats.org/markup-compatibility/2006" xmlns:a14="http://schemas.microsoft.com/office/drawing/2010/main">
+            <mc:Choice Requires="a14">
               <p:sp>
                 <p:nvSpPr>
                   <p:cNvPr id="27" name="TextBox 26">
@@ -4225,6 +4275,7 @@
                     </a:r>
                   </a:p>
                   <a:p>
+                    <a:pPr/>
                     <a14:m>
                       <m:oMathPara xmlns:m="http://schemas.openxmlformats.org/officeDocument/2006/math">
                         <m:oMathParaPr>
@@ -4374,6 +4425,7 @@
                     </a:r>
                   </a:p>
                   <a:p>
+                    <a:pPr/>
                     <a14:m>
                       <m:oMathPara xmlns:m="http://schemas.openxmlformats.org/officeDocument/2006/math">
                         <m:oMathParaPr>
@@ -4555,7 +4607,7 @@
                 </p:txBody>
               </p:sp>
             </mc:Choice>
-            <mc:Fallback>
+            <mc:Fallback xmlns="">
               <p:sp>
                 <p:nvSpPr>
                   <p:cNvPr id="27" name="TextBox 26">
@@ -4816,8 +4868,8 @@
           </p:nvSpPr>
           <p:spPr>
             <a:xfrm>
-              <a:off x="3211484" y="-928047"/>
-              <a:ext cx="5152949" cy="646331"/>
+              <a:off x="2304438" y="-954302"/>
+              <a:ext cx="6908686" cy="646331"/>
             </a:xfrm>
             <a:prstGeom prst="rect">
               <a:avLst/>
@@ -4830,15 +4882,25 @@
             </a:bodyPr>
             <a:lstStyle/>
             <a:p>
+              <a:pPr algn="ctr"/>
               <a:r>
                 <a:rPr lang="en-US" altLang="ko-KR" b="1" dirty="0"/>
                 <a:t>Dynamics according to Langevin equation</a:t>
               </a:r>
             </a:p>
             <a:p>
+              <a:pPr algn="ctr"/>
               <a:r>
                 <a:rPr lang="en-US" altLang="ko-KR" b="1" dirty="0"/>
-                <a:t>Iteration = 10,000 + 100,000, delta t = 0.001</a:t>
+                <a:t>Iteration = 10,000 + 100,000, delta t = 0.001, </a:t>
+              </a:r>
+              <a:r>
+                <a:rPr lang="en-US" altLang="ko-KR" b="1" dirty="0" err="1"/>
+                <a:t>N_ptcl</a:t>
+              </a:r>
+              <a:r>
+                <a:rPr lang="en-US" altLang="ko-KR" b="1" dirty="0"/>
+                <a:t> = 1,000</a:t>
               </a:r>
             </a:p>
           </p:txBody>
